--- a/lecture-materials/Analytics/aws_data_exchange/data.pptx
+++ b/lecture-materials/Analytics/aws_data_exchange/data.pptx
@@ -5,19 +5,7 @@
     <p:sldMasterId id="2147483648" r:id="rId1"/>
   </p:sldMasterIdLst>
   <p:sldIdLst>
-    <p:sldId id="256" r:id="rId2"/>
-    <p:sldId id="257" r:id="rId3"/>
-    <p:sldId id="258" r:id="rId4"/>
-    <p:sldId id="259" r:id="rId5"/>
-    <p:sldId id="260" r:id="rId6"/>
-    <p:sldId id="261" r:id="rId7"/>
-    <p:sldId id="262" r:id="rId8"/>
-    <p:sldId id="263" r:id="rId9"/>
-    <p:sldId id="264" r:id="rId10"/>
-    <p:sldId id="265" r:id="rId11"/>
-    <p:sldId id="266" r:id="rId12"/>
-    <p:sldId id="267" r:id="rId13"/>
-    <p:sldId id="268" r:id="rId14"/>
+    <p:sldId id="257" r:id="rId2"/>
   </p:sldIdLst>
   <p:sldSz cx="12192000" cy="6858000"/>
   <p:notesSz cx="6858000" cy="9144000"/>
@@ -116,6 +104,11 @@
       </a:defRPr>
     </a:lvl9pPr>
   </p:defaultTextStyle>
+  <p:extLst>
+    <p:ext uri="{EFAFB233-063F-42B5-8137-9DF3F51BA10A}">
+      <p15:sldGuideLst xmlns:p15="http://schemas.microsoft.com/office/powerpoint/2012/main"/>
+    </p:ext>
+  </p:extLst>
 </p:presentation>
 </file>
 
@@ -268,7 +261,7 @@
           <a:p>
             <a:fld id="{322C9020-58D6-4B4B-AE71-CBBD8D6FD410}" type="datetimeFigureOut">
               <a:rPr lang="en-CH" smtClean="0"/>
-              <a:t>06.08.23</a:t>
+              <a:t>31.08.23</a:t>
             </a:fld>
             <a:endParaRPr lang="en-CH"/>
           </a:p>
@@ -468,7 +461,7 @@
           <a:p>
             <a:fld id="{322C9020-58D6-4B4B-AE71-CBBD8D6FD410}" type="datetimeFigureOut">
               <a:rPr lang="en-CH" smtClean="0"/>
-              <a:t>06.08.23</a:t>
+              <a:t>31.08.23</a:t>
             </a:fld>
             <a:endParaRPr lang="en-CH"/>
           </a:p>
@@ -678,7 +671,7 @@
           <a:p>
             <a:fld id="{322C9020-58D6-4B4B-AE71-CBBD8D6FD410}" type="datetimeFigureOut">
               <a:rPr lang="en-CH" smtClean="0"/>
-              <a:t>06.08.23</a:t>
+              <a:t>31.08.23</a:t>
             </a:fld>
             <a:endParaRPr lang="en-CH"/>
           </a:p>
@@ -878,7 +871,7 @@
           <a:p>
             <a:fld id="{322C9020-58D6-4B4B-AE71-CBBD8D6FD410}" type="datetimeFigureOut">
               <a:rPr lang="en-CH" smtClean="0"/>
-              <a:t>06.08.23</a:t>
+              <a:t>31.08.23</a:t>
             </a:fld>
             <a:endParaRPr lang="en-CH"/>
           </a:p>
@@ -1154,7 +1147,7 @@
           <a:p>
             <a:fld id="{322C9020-58D6-4B4B-AE71-CBBD8D6FD410}" type="datetimeFigureOut">
               <a:rPr lang="en-CH" smtClean="0"/>
-              <a:t>06.08.23</a:t>
+              <a:t>31.08.23</a:t>
             </a:fld>
             <a:endParaRPr lang="en-CH"/>
           </a:p>
@@ -1422,7 +1415,7 @@
           <a:p>
             <a:fld id="{322C9020-58D6-4B4B-AE71-CBBD8D6FD410}" type="datetimeFigureOut">
               <a:rPr lang="en-CH" smtClean="0"/>
-              <a:t>06.08.23</a:t>
+              <a:t>31.08.23</a:t>
             </a:fld>
             <a:endParaRPr lang="en-CH"/>
           </a:p>
@@ -1837,7 +1830,7 @@
           <a:p>
             <a:fld id="{322C9020-58D6-4B4B-AE71-CBBD8D6FD410}" type="datetimeFigureOut">
               <a:rPr lang="en-CH" smtClean="0"/>
-              <a:t>06.08.23</a:t>
+              <a:t>31.08.23</a:t>
             </a:fld>
             <a:endParaRPr lang="en-CH"/>
           </a:p>
@@ -1979,7 +1972,7 @@
           <a:p>
             <a:fld id="{322C9020-58D6-4B4B-AE71-CBBD8D6FD410}" type="datetimeFigureOut">
               <a:rPr lang="en-CH" smtClean="0"/>
-              <a:t>06.08.23</a:t>
+              <a:t>31.08.23</a:t>
             </a:fld>
             <a:endParaRPr lang="en-CH"/>
           </a:p>
@@ -2092,7 +2085,7 @@
           <a:p>
             <a:fld id="{322C9020-58D6-4B4B-AE71-CBBD8D6FD410}" type="datetimeFigureOut">
               <a:rPr lang="en-CH" smtClean="0"/>
-              <a:t>06.08.23</a:t>
+              <a:t>31.08.23</a:t>
             </a:fld>
             <a:endParaRPr lang="en-CH"/>
           </a:p>
@@ -2405,7 +2398,7 @@
           <a:p>
             <a:fld id="{322C9020-58D6-4B4B-AE71-CBBD8D6FD410}" type="datetimeFigureOut">
               <a:rPr lang="en-CH" smtClean="0"/>
-              <a:t>06.08.23</a:t>
+              <a:t>31.08.23</a:t>
             </a:fld>
             <a:endParaRPr lang="en-CH"/>
           </a:p>
@@ -2694,7 +2687,7 @@
           <a:p>
             <a:fld id="{322C9020-58D6-4B4B-AE71-CBBD8D6FD410}" type="datetimeFigureOut">
               <a:rPr lang="en-CH" smtClean="0"/>
-              <a:t>06.08.23</a:t>
+              <a:t>31.08.23</a:t>
             </a:fld>
             <a:endParaRPr lang="en-CH"/>
           </a:p>
@@ -2937,7 +2930,7 @@
           <a:p>
             <a:fld id="{322C9020-58D6-4B4B-AE71-CBBD8D6FD410}" type="datetimeFigureOut">
               <a:rPr lang="en-CH" smtClean="0"/>
-              <a:t>06.08.23</a:t>
+              <a:t>31.08.23</a:t>
             </a:fld>
             <a:endParaRPr lang="en-CH"/>
           </a:p>
@@ -3359,438 +3352,32 @@
           <p:cNvPr id="2" name="Title 1">
             <a:extLst>
               <a:ext uri="{FF2B5EF4-FFF2-40B4-BE49-F238E27FC236}">
-                <a16:creationId xmlns:a16="http://schemas.microsoft.com/office/drawing/2014/main" id="{83CED1CE-8896-375E-5C9B-01B55750126D}"/>
-              </a:ext>
-            </a:extLst>
-          </p:cNvPr>
-          <p:cNvSpPr>
-            <a:spLocks noGrp="1"/>
-          </p:cNvSpPr>
-          <p:nvPr>
-            <p:ph type="ctrTitle"/>
-          </p:nvPr>
-        </p:nvSpPr>
-        <p:spPr/>
-        <p:txBody>
-          <a:bodyPr/>
-          <a:lstStyle/>
-          <a:p>
+                <a16:creationId xmlns:a16="http://schemas.microsoft.com/office/drawing/2014/main" id="{C4EA2B5D-1489-0AC6-64AF-DC0F56E334AA}"/>
+              </a:ext>
+            </a:extLst>
+          </p:cNvPr>
+          <p:cNvSpPr>
+            <a:spLocks noGrp="1"/>
+          </p:cNvSpPr>
+          <p:nvPr>
+            <p:ph type="title"/>
+          </p:nvPr>
+        </p:nvSpPr>
+        <p:spPr/>
+        <p:txBody>
+          <a:bodyPr/>
+          <a:lstStyle/>
+          <a:p>
+            <a:r>
+              <a:rPr lang="ru-RU">
+                <a:solidFill>
+                  <a:srgbClr val="FFFFFF"/>
+                </a:solidFill>
+                <a:latin typeface="AmazonEmberBold"/>
+              </a:rPr>
+              <a:t>ы</a:t>
+            </a:r>
             <a:endParaRPr lang="en-CH" dirty="0"/>
-          </a:p>
-        </p:txBody>
-      </p:sp>
-      <p:sp>
-        <p:nvSpPr>
-          <p:cNvPr id="3" name="Subtitle 2">
-            <a:extLst>
-              <a:ext uri="{FF2B5EF4-FFF2-40B4-BE49-F238E27FC236}">
-                <a16:creationId xmlns:a16="http://schemas.microsoft.com/office/drawing/2014/main" id="{46D92768-3C59-4B6D-C213-B3F3D36ED712}"/>
-              </a:ext>
-            </a:extLst>
-          </p:cNvPr>
-          <p:cNvSpPr>
-            <a:spLocks noGrp="1"/>
-          </p:cNvSpPr>
-          <p:nvPr>
-            <p:ph type="subTitle" idx="1"/>
-          </p:nvPr>
-        </p:nvSpPr>
-        <p:spPr/>
-        <p:txBody>
-          <a:bodyPr/>
-          <a:lstStyle/>
-          <a:p>
-            <a:endParaRPr lang="en-CH"/>
-          </a:p>
-        </p:txBody>
-      </p:sp>
-    </p:spTree>
-    <p:extLst>
-      <p:ext uri="{BB962C8B-B14F-4D97-AF65-F5344CB8AC3E}">
-        <p14:creationId xmlns:p14="http://schemas.microsoft.com/office/powerpoint/2010/main" val="2497055136"/>
-      </p:ext>
-    </p:extLst>
-  </p:cSld>
-  <p:clrMapOvr>
-    <a:masterClrMapping/>
-  </p:clrMapOvr>
-</p:sld>
-</file>
-
-<file path=ppt/slides/slide10.xml><?xml version="1.0" encoding="utf-8"?>
-<p:sld xmlns:a="http://schemas.openxmlformats.org/drawingml/2006/main" xmlns:r="http://schemas.openxmlformats.org/officeDocument/2006/relationships" xmlns:p="http://schemas.openxmlformats.org/presentationml/2006/main">
-  <p:cSld>
-    <p:spTree>
-      <p:nvGrpSpPr>
-        <p:cNvPr id="1" name=""/>
-        <p:cNvGrpSpPr/>
-        <p:nvPr/>
-      </p:nvGrpSpPr>
-      <p:grpSpPr>
-        <a:xfrm>
-          <a:off x="0" y="0"/>
-          <a:ext cx="0" cy="0"/>
-          <a:chOff x="0" y="0"/>
-          <a:chExt cx="0" cy="0"/>
-        </a:xfrm>
-      </p:grpSpPr>
-      <p:sp>
-        <p:nvSpPr>
-          <p:cNvPr id="2" name="Title 1">
-            <a:extLst>
-              <a:ext uri="{FF2B5EF4-FFF2-40B4-BE49-F238E27FC236}">
-                <a16:creationId xmlns:a16="http://schemas.microsoft.com/office/drawing/2014/main" id="{F2194DBB-28AD-363D-3B1E-F77B61FCB94F}"/>
-              </a:ext>
-            </a:extLst>
-          </p:cNvPr>
-          <p:cNvSpPr>
-            <a:spLocks noGrp="1"/>
-          </p:cNvSpPr>
-          <p:nvPr>
-            <p:ph type="title"/>
-          </p:nvPr>
-        </p:nvSpPr>
-        <p:spPr/>
-        <p:txBody>
-          <a:bodyPr/>
-          <a:lstStyle/>
-          <a:p>
-            <a:r>
-              <a:rPr lang="en-CH" dirty="0"/>
-              <a:t>Kinesis Firehose</a:t>
-            </a:r>
-          </a:p>
-        </p:txBody>
-      </p:sp>
-      <p:sp>
-        <p:nvSpPr>
-          <p:cNvPr id="3" name="Content Placeholder 2">
-            <a:extLst>
-              <a:ext uri="{FF2B5EF4-FFF2-40B4-BE49-F238E27FC236}">
-                <a16:creationId xmlns:a16="http://schemas.microsoft.com/office/drawing/2014/main" id="{5CDD2A10-A3D8-9AF2-08A9-B9B748817F9C}"/>
-              </a:ext>
-            </a:extLst>
-          </p:cNvPr>
-          <p:cNvSpPr>
-            <a:spLocks noGrp="1"/>
-          </p:cNvSpPr>
-          <p:nvPr>
-            <p:ph idx="1"/>
-          </p:nvPr>
-        </p:nvSpPr>
-        <p:spPr/>
-        <p:txBody>
-          <a:bodyPr/>
-          <a:lstStyle/>
-          <a:p>
-            <a:endParaRPr lang="en-CH"/>
-          </a:p>
-        </p:txBody>
-      </p:sp>
-    </p:spTree>
-    <p:extLst>
-      <p:ext uri="{BB962C8B-B14F-4D97-AF65-F5344CB8AC3E}">
-        <p14:creationId xmlns:p14="http://schemas.microsoft.com/office/powerpoint/2010/main" val="1984078770"/>
-      </p:ext>
-    </p:extLst>
-  </p:cSld>
-  <p:clrMapOvr>
-    <a:masterClrMapping/>
-  </p:clrMapOvr>
-</p:sld>
-</file>
-
-<file path=ppt/slides/slide11.xml><?xml version="1.0" encoding="utf-8"?>
-<p:sld xmlns:a="http://schemas.openxmlformats.org/drawingml/2006/main" xmlns:r="http://schemas.openxmlformats.org/officeDocument/2006/relationships" xmlns:p="http://schemas.openxmlformats.org/presentationml/2006/main">
-  <p:cSld>
-    <p:spTree>
-      <p:nvGrpSpPr>
-        <p:cNvPr id="1" name=""/>
-        <p:cNvGrpSpPr/>
-        <p:nvPr/>
-      </p:nvGrpSpPr>
-      <p:grpSpPr>
-        <a:xfrm>
-          <a:off x="0" y="0"/>
-          <a:ext cx="0" cy="0"/>
-          <a:chOff x="0" y="0"/>
-          <a:chExt cx="0" cy="0"/>
-        </a:xfrm>
-      </p:grpSpPr>
-      <p:sp>
-        <p:nvSpPr>
-          <p:cNvPr id="2" name="Title 1">
-            <a:extLst>
-              <a:ext uri="{FF2B5EF4-FFF2-40B4-BE49-F238E27FC236}">
-                <a16:creationId xmlns:a16="http://schemas.microsoft.com/office/drawing/2014/main" id="{725C344F-3490-91C2-7A80-46C891CCD0DE}"/>
-              </a:ext>
-            </a:extLst>
-          </p:cNvPr>
-          <p:cNvSpPr>
-            <a:spLocks noGrp="1"/>
-          </p:cNvSpPr>
-          <p:nvPr>
-            <p:ph type="title"/>
-          </p:nvPr>
-        </p:nvSpPr>
-        <p:spPr/>
-        <p:txBody>
-          <a:bodyPr/>
-          <a:lstStyle/>
-          <a:p>
-            <a:r>
-              <a:rPr lang="en-CH" dirty="0"/>
-              <a:t>Kinesis Data Analytics</a:t>
-            </a:r>
-          </a:p>
-        </p:txBody>
-      </p:sp>
-      <p:sp>
-        <p:nvSpPr>
-          <p:cNvPr id="3" name="Content Placeholder 2">
-            <a:extLst>
-              <a:ext uri="{FF2B5EF4-FFF2-40B4-BE49-F238E27FC236}">
-                <a16:creationId xmlns:a16="http://schemas.microsoft.com/office/drawing/2014/main" id="{EE902A70-746D-B764-2A8D-09540D7486F1}"/>
-              </a:ext>
-            </a:extLst>
-          </p:cNvPr>
-          <p:cNvSpPr>
-            <a:spLocks noGrp="1"/>
-          </p:cNvSpPr>
-          <p:nvPr>
-            <p:ph idx="1"/>
-          </p:nvPr>
-        </p:nvSpPr>
-        <p:spPr/>
-        <p:txBody>
-          <a:bodyPr/>
-          <a:lstStyle/>
-          <a:p>
-            <a:endParaRPr lang="en-CH"/>
-          </a:p>
-        </p:txBody>
-      </p:sp>
-    </p:spTree>
-    <p:extLst>
-      <p:ext uri="{BB962C8B-B14F-4D97-AF65-F5344CB8AC3E}">
-        <p14:creationId xmlns:p14="http://schemas.microsoft.com/office/powerpoint/2010/main" val="3034653325"/>
-      </p:ext>
-    </p:extLst>
-  </p:cSld>
-  <p:clrMapOvr>
-    <a:masterClrMapping/>
-  </p:clrMapOvr>
-</p:sld>
-</file>
-
-<file path=ppt/slides/slide12.xml><?xml version="1.0" encoding="utf-8"?>
-<p:sld xmlns:a="http://schemas.openxmlformats.org/drawingml/2006/main" xmlns:r="http://schemas.openxmlformats.org/officeDocument/2006/relationships" xmlns:p="http://schemas.openxmlformats.org/presentationml/2006/main">
-  <p:cSld>
-    <p:spTree>
-      <p:nvGrpSpPr>
-        <p:cNvPr id="1" name=""/>
-        <p:cNvGrpSpPr/>
-        <p:nvPr/>
-      </p:nvGrpSpPr>
-      <p:grpSpPr>
-        <a:xfrm>
-          <a:off x="0" y="0"/>
-          <a:ext cx="0" cy="0"/>
-          <a:chOff x="0" y="0"/>
-          <a:chExt cx="0" cy="0"/>
-        </a:xfrm>
-      </p:grpSpPr>
-      <p:sp>
-        <p:nvSpPr>
-          <p:cNvPr id="2" name="Title 1">
-            <a:extLst>
-              <a:ext uri="{FF2B5EF4-FFF2-40B4-BE49-F238E27FC236}">
-                <a16:creationId xmlns:a16="http://schemas.microsoft.com/office/drawing/2014/main" id="{7F3F3517-A952-6112-2F01-2CA4858E08DE}"/>
-              </a:ext>
-            </a:extLst>
-          </p:cNvPr>
-          <p:cNvSpPr>
-            <a:spLocks noGrp="1"/>
-          </p:cNvSpPr>
-          <p:nvPr>
-            <p:ph type="title"/>
-          </p:nvPr>
-        </p:nvSpPr>
-        <p:spPr/>
-        <p:txBody>
-          <a:bodyPr/>
-          <a:lstStyle/>
-          <a:p>
-            <a:r>
-              <a:rPr lang="en-CH" dirty="0"/>
-              <a:t>MSK</a:t>
-            </a:r>
-          </a:p>
-        </p:txBody>
-      </p:sp>
-      <p:sp>
-        <p:nvSpPr>
-          <p:cNvPr id="3" name="Content Placeholder 2">
-            <a:extLst>
-              <a:ext uri="{FF2B5EF4-FFF2-40B4-BE49-F238E27FC236}">
-                <a16:creationId xmlns:a16="http://schemas.microsoft.com/office/drawing/2014/main" id="{C36E782D-017C-94D5-3F95-35230D049461}"/>
-              </a:ext>
-            </a:extLst>
-          </p:cNvPr>
-          <p:cNvSpPr>
-            <a:spLocks noGrp="1"/>
-          </p:cNvSpPr>
-          <p:nvPr>
-            <p:ph idx="1"/>
-          </p:nvPr>
-        </p:nvSpPr>
-        <p:spPr/>
-        <p:txBody>
-          <a:bodyPr/>
-          <a:lstStyle/>
-          <a:p>
-            <a:endParaRPr lang="en-CH"/>
-          </a:p>
-        </p:txBody>
-      </p:sp>
-    </p:spTree>
-    <p:extLst>
-      <p:ext uri="{BB962C8B-B14F-4D97-AF65-F5344CB8AC3E}">
-        <p14:creationId xmlns:p14="http://schemas.microsoft.com/office/powerpoint/2010/main" val="494807790"/>
-      </p:ext>
-    </p:extLst>
-  </p:cSld>
-  <p:clrMapOvr>
-    <a:masterClrMapping/>
-  </p:clrMapOvr>
-</p:sld>
-</file>
-
-<file path=ppt/slides/slide13.xml><?xml version="1.0" encoding="utf-8"?>
-<p:sld xmlns:a="http://schemas.openxmlformats.org/drawingml/2006/main" xmlns:r="http://schemas.openxmlformats.org/officeDocument/2006/relationships" xmlns:p="http://schemas.openxmlformats.org/presentationml/2006/main">
-  <p:cSld>
-    <p:spTree>
-      <p:nvGrpSpPr>
-        <p:cNvPr id="1" name=""/>
-        <p:cNvGrpSpPr/>
-        <p:nvPr/>
-      </p:nvGrpSpPr>
-      <p:grpSpPr>
-        <a:xfrm>
-          <a:off x="0" y="0"/>
-          <a:ext cx="0" cy="0"/>
-          <a:chOff x="0" y="0"/>
-          <a:chExt cx="0" cy="0"/>
-        </a:xfrm>
-      </p:grpSpPr>
-      <p:sp>
-        <p:nvSpPr>
-          <p:cNvPr id="2" name="Title 1">
-            <a:extLst>
-              <a:ext uri="{FF2B5EF4-FFF2-40B4-BE49-F238E27FC236}">
-                <a16:creationId xmlns:a16="http://schemas.microsoft.com/office/drawing/2014/main" id="{77E6B829-7C67-83B7-754A-38FC14AB3569}"/>
-              </a:ext>
-            </a:extLst>
-          </p:cNvPr>
-          <p:cNvSpPr>
-            <a:spLocks noGrp="1"/>
-          </p:cNvSpPr>
-          <p:nvPr>
-            <p:ph type="title"/>
-          </p:nvPr>
-        </p:nvSpPr>
-        <p:spPr/>
-        <p:txBody>
-          <a:bodyPr/>
-          <a:lstStyle/>
-          <a:p>
-            <a:r>
-              <a:rPr lang="en-CH"/>
-              <a:t>Exam takeaway</a:t>
-            </a:r>
-          </a:p>
-        </p:txBody>
-      </p:sp>
-      <p:sp>
-        <p:nvSpPr>
-          <p:cNvPr id="3" name="Content Placeholder 2">
-            <a:extLst>
-              <a:ext uri="{FF2B5EF4-FFF2-40B4-BE49-F238E27FC236}">
-                <a16:creationId xmlns:a16="http://schemas.microsoft.com/office/drawing/2014/main" id="{8B9F24D3-3DD6-754D-869A-9E5320D343E9}"/>
-              </a:ext>
-            </a:extLst>
-          </p:cNvPr>
-          <p:cNvSpPr>
-            <a:spLocks noGrp="1"/>
-          </p:cNvSpPr>
-          <p:nvPr>
-            <p:ph idx="1"/>
-          </p:nvPr>
-        </p:nvSpPr>
-        <p:spPr/>
-        <p:txBody>
-          <a:bodyPr/>
-          <a:lstStyle/>
-          <a:p>
-            <a:endParaRPr lang="en-CH"/>
-          </a:p>
-        </p:txBody>
-      </p:sp>
-    </p:spTree>
-    <p:extLst>
-      <p:ext uri="{BB962C8B-B14F-4D97-AF65-F5344CB8AC3E}">
-        <p14:creationId xmlns:p14="http://schemas.microsoft.com/office/powerpoint/2010/main" val="4245457912"/>
-      </p:ext>
-    </p:extLst>
-  </p:cSld>
-  <p:clrMapOvr>
-    <a:masterClrMapping/>
-  </p:clrMapOvr>
-</p:sld>
-</file>
-
-<file path=ppt/slides/slide2.xml><?xml version="1.0" encoding="utf-8"?>
-<p:sld xmlns:a="http://schemas.openxmlformats.org/drawingml/2006/main" xmlns:r="http://schemas.openxmlformats.org/officeDocument/2006/relationships" xmlns:p="http://schemas.openxmlformats.org/presentationml/2006/main">
-  <p:cSld>
-    <p:spTree>
-      <p:nvGrpSpPr>
-        <p:cNvPr id="1" name=""/>
-        <p:cNvGrpSpPr/>
-        <p:nvPr/>
-      </p:nvGrpSpPr>
-      <p:grpSpPr>
-        <a:xfrm>
-          <a:off x="0" y="0"/>
-          <a:ext cx="0" cy="0"/>
-          <a:chOff x="0" y="0"/>
-          <a:chExt cx="0" cy="0"/>
-        </a:xfrm>
-      </p:grpSpPr>
-      <p:sp>
-        <p:nvSpPr>
-          <p:cNvPr id="2" name="Title 1">
-            <a:extLst>
-              <a:ext uri="{FF2B5EF4-FFF2-40B4-BE49-F238E27FC236}">
-                <a16:creationId xmlns:a16="http://schemas.microsoft.com/office/drawing/2014/main" id="{C4EA2B5D-1489-0AC6-64AF-DC0F56E334AA}"/>
-              </a:ext>
-            </a:extLst>
-          </p:cNvPr>
-          <p:cNvSpPr>
-            <a:spLocks noGrp="1"/>
-          </p:cNvSpPr>
-          <p:nvPr>
-            <p:ph type="title"/>
-          </p:nvPr>
-        </p:nvSpPr>
-        <p:spPr/>
-        <p:txBody>
-          <a:bodyPr/>
-          <a:lstStyle/>
-          <a:p>
-            <a:r>
-              <a:rPr lang="en-CH" dirty="0"/>
-              <a:t>Athena</a:t>
-            </a:r>
           </a:p>
         </p:txBody>
       </p:sp>
@@ -3823,619 +3410,6 @@
     <p:extLst>
       <p:ext uri="{BB962C8B-B14F-4D97-AF65-F5344CB8AC3E}">
         <p14:creationId xmlns:p14="http://schemas.microsoft.com/office/powerpoint/2010/main" val="2536013262"/>
-      </p:ext>
-    </p:extLst>
-  </p:cSld>
-  <p:clrMapOvr>
-    <a:masterClrMapping/>
-  </p:clrMapOvr>
-</p:sld>
-</file>
-
-<file path=ppt/slides/slide3.xml><?xml version="1.0" encoding="utf-8"?>
-<p:sld xmlns:a="http://schemas.openxmlformats.org/drawingml/2006/main" xmlns:r="http://schemas.openxmlformats.org/officeDocument/2006/relationships" xmlns:p="http://schemas.openxmlformats.org/presentationml/2006/main">
-  <p:cSld>
-    <p:spTree>
-      <p:nvGrpSpPr>
-        <p:cNvPr id="1" name=""/>
-        <p:cNvGrpSpPr/>
-        <p:nvPr/>
-      </p:nvGrpSpPr>
-      <p:grpSpPr>
-        <a:xfrm>
-          <a:off x="0" y="0"/>
-          <a:ext cx="0" cy="0"/>
-          <a:chOff x="0" y="0"/>
-          <a:chExt cx="0" cy="0"/>
-        </a:xfrm>
-      </p:grpSpPr>
-      <p:sp>
-        <p:nvSpPr>
-          <p:cNvPr id="2" name="Title 1">
-            <a:extLst>
-              <a:ext uri="{FF2B5EF4-FFF2-40B4-BE49-F238E27FC236}">
-                <a16:creationId xmlns:a16="http://schemas.microsoft.com/office/drawing/2014/main" id="{C4EA2B5D-1489-0AC6-64AF-DC0F56E334AA}"/>
-              </a:ext>
-            </a:extLst>
-          </p:cNvPr>
-          <p:cNvSpPr>
-            <a:spLocks noGrp="1"/>
-          </p:cNvSpPr>
-          <p:nvPr>
-            <p:ph type="title"/>
-          </p:nvPr>
-        </p:nvSpPr>
-        <p:spPr/>
-        <p:txBody>
-          <a:bodyPr/>
-          <a:lstStyle/>
-          <a:p>
-            <a:r>
-              <a:rPr lang="en-CH" dirty="0"/>
-              <a:t>Redshift</a:t>
-            </a:r>
-          </a:p>
-        </p:txBody>
-      </p:sp>
-      <p:sp>
-        <p:nvSpPr>
-          <p:cNvPr id="3" name="Content Placeholder 2">
-            <a:extLst>
-              <a:ext uri="{FF2B5EF4-FFF2-40B4-BE49-F238E27FC236}">
-                <a16:creationId xmlns:a16="http://schemas.microsoft.com/office/drawing/2014/main" id="{CE16C5C0-5344-C1CD-1224-83C8E34164AE}"/>
-              </a:ext>
-            </a:extLst>
-          </p:cNvPr>
-          <p:cNvSpPr>
-            <a:spLocks noGrp="1"/>
-          </p:cNvSpPr>
-          <p:nvPr>
-            <p:ph idx="1"/>
-          </p:nvPr>
-        </p:nvSpPr>
-        <p:spPr/>
-        <p:txBody>
-          <a:bodyPr/>
-          <a:lstStyle/>
-          <a:p>
-            <a:endParaRPr lang="en-CH"/>
-          </a:p>
-        </p:txBody>
-      </p:sp>
-    </p:spTree>
-    <p:extLst>
-      <p:ext uri="{BB962C8B-B14F-4D97-AF65-F5344CB8AC3E}">
-        <p14:creationId xmlns:p14="http://schemas.microsoft.com/office/powerpoint/2010/main" val="4257193585"/>
-      </p:ext>
-    </p:extLst>
-  </p:cSld>
-  <p:clrMapOvr>
-    <a:masterClrMapping/>
-  </p:clrMapOvr>
-</p:sld>
-</file>
-
-<file path=ppt/slides/slide4.xml><?xml version="1.0" encoding="utf-8"?>
-<p:sld xmlns:a="http://schemas.openxmlformats.org/drawingml/2006/main" xmlns:r="http://schemas.openxmlformats.org/officeDocument/2006/relationships" xmlns:p="http://schemas.openxmlformats.org/presentationml/2006/main">
-  <p:cSld>
-    <p:spTree>
-      <p:nvGrpSpPr>
-        <p:cNvPr id="1" name=""/>
-        <p:cNvGrpSpPr/>
-        <p:nvPr/>
-      </p:nvGrpSpPr>
-      <p:grpSpPr>
-        <a:xfrm>
-          <a:off x="0" y="0"/>
-          <a:ext cx="0" cy="0"/>
-          <a:chOff x="0" y="0"/>
-          <a:chExt cx="0" cy="0"/>
-        </a:xfrm>
-      </p:grpSpPr>
-      <p:sp>
-        <p:nvSpPr>
-          <p:cNvPr id="2" name="Title 1">
-            <a:extLst>
-              <a:ext uri="{FF2B5EF4-FFF2-40B4-BE49-F238E27FC236}">
-                <a16:creationId xmlns:a16="http://schemas.microsoft.com/office/drawing/2014/main" id="{C4EA2B5D-1489-0AC6-64AF-DC0F56E334AA}"/>
-              </a:ext>
-            </a:extLst>
-          </p:cNvPr>
-          <p:cNvSpPr>
-            <a:spLocks noGrp="1"/>
-          </p:cNvSpPr>
-          <p:nvPr>
-            <p:ph type="title"/>
-          </p:nvPr>
-        </p:nvSpPr>
-        <p:spPr/>
-        <p:txBody>
-          <a:bodyPr/>
-          <a:lstStyle/>
-          <a:p>
-            <a:r>
-              <a:rPr lang="en-CH" dirty="0"/>
-              <a:t>OpenSearch</a:t>
-            </a:r>
-          </a:p>
-        </p:txBody>
-      </p:sp>
-      <p:sp>
-        <p:nvSpPr>
-          <p:cNvPr id="3" name="Content Placeholder 2">
-            <a:extLst>
-              <a:ext uri="{FF2B5EF4-FFF2-40B4-BE49-F238E27FC236}">
-                <a16:creationId xmlns:a16="http://schemas.microsoft.com/office/drawing/2014/main" id="{CE16C5C0-5344-C1CD-1224-83C8E34164AE}"/>
-              </a:ext>
-            </a:extLst>
-          </p:cNvPr>
-          <p:cNvSpPr>
-            <a:spLocks noGrp="1"/>
-          </p:cNvSpPr>
-          <p:nvPr>
-            <p:ph idx="1"/>
-          </p:nvPr>
-        </p:nvSpPr>
-        <p:spPr/>
-        <p:txBody>
-          <a:bodyPr/>
-          <a:lstStyle/>
-          <a:p>
-            <a:endParaRPr lang="en-CH"/>
-          </a:p>
-        </p:txBody>
-      </p:sp>
-    </p:spTree>
-    <p:extLst>
-      <p:ext uri="{BB962C8B-B14F-4D97-AF65-F5344CB8AC3E}">
-        <p14:creationId xmlns:p14="http://schemas.microsoft.com/office/powerpoint/2010/main" val="1157545913"/>
-      </p:ext>
-    </p:extLst>
-  </p:cSld>
-  <p:clrMapOvr>
-    <a:masterClrMapping/>
-  </p:clrMapOvr>
-</p:sld>
-</file>
-
-<file path=ppt/slides/slide5.xml><?xml version="1.0" encoding="utf-8"?>
-<p:sld xmlns:a="http://schemas.openxmlformats.org/drawingml/2006/main" xmlns:r="http://schemas.openxmlformats.org/officeDocument/2006/relationships" xmlns:p="http://schemas.openxmlformats.org/presentationml/2006/main">
-  <p:cSld>
-    <p:spTree>
-      <p:nvGrpSpPr>
-        <p:cNvPr id="1" name=""/>
-        <p:cNvGrpSpPr/>
-        <p:nvPr/>
-      </p:nvGrpSpPr>
-      <p:grpSpPr>
-        <a:xfrm>
-          <a:off x="0" y="0"/>
-          <a:ext cx="0" cy="0"/>
-          <a:chOff x="0" y="0"/>
-          <a:chExt cx="0" cy="0"/>
-        </a:xfrm>
-      </p:grpSpPr>
-      <p:sp>
-        <p:nvSpPr>
-          <p:cNvPr id="2" name="Title 1">
-            <a:extLst>
-              <a:ext uri="{FF2B5EF4-FFF2-40B4-BE49-F238E27FC236}">
-                <a16:creationId xmlns:a16="http://schemas.microsoft.com/office/drawing/2014/main" id="{C4EA2B5D-1489-0AC6-64AF-DC0F56E334AA}"/>
-              </a:ext>
-            </a:extLst>
-          </p:cNvPr>
-          <p:cNvSpPr>
-            <a:spLocks noGrp="1"/>
-          </p:cNvSpPr>
-          <p:nvPr>
-            <p:ph type="title"/>
-          </p:nvPr>
-        </p:nvSpPr>
-        <p:spPr/>
-        <p:txBody>
-          <a:bodyPr/>
-          <a:lstStyle/>
-          <a:p>
-            <a:r>
-              <a:rPr lang="en-CH" dirty="0"/>
-              <a:t>EMR</a:t>
-            </a:r>
-          </a:p>
-        </p:txBody>
-      </p:sp>
-      <p:sp>
-        <p:nvSpPr>
-          <p:cNvPr id="3" name="Content Placeholder 2">
-            <a:extLst>
-              <a:ext uri="{FF2B5EF4-FFF2-40B4-BE49-F238E27FC236}">
-                <a16:creationId xmlns:a16="http://schemas.microsoft.com/office/drawing/2014/main" id="{CE16C5C0-5344-C1CD-1224-83C8E34164AE}"/>
-              </a:ext>
-            </a:extLst>
-          </p:cNvPr>
-          <p:cNvSpPr>
-            <a:spLocks noGrp="1"/>
-          </p:cNvSpPr>
-          <p:nvPr>
-            <p:ph idx="1"/>
-          </p:nvPr>
-        </p:nvSpPr>
-        <p:spPr/>
-        <p:txBody>
-          <a:bodyPr/>
-          <a:lstStyle/>
-          <a:p>
-            <a:endParaRPr lang="en-CH"/>
-          </a:p>
-        </p:txBody>
-      </p:sp>
-    </p:spTree>
-    <p:extLst>
-      <p:ext uri="{BB962C8B-B14F-4D97-AF65-F5344CB8AC3E}">
-        <p14:creationId xmlns:p14="http://schemas.microsoft.com/office/powerpoint/2010/main" val="1993568414"/>
-      </p:ext>
-    </p:extLst>
-  </p:cSld>
-  <p:clrMapOvr>
-    <a:masterClrMapping/>
-  </p:clrMapOvr>
-</p:sld>
-</file>
-
-<file path=ppt/slides/slide6.xml><?xml version="1.0" encoding="utf-8"?>
-<p:sld xmlns:a="http://schemas.openxmlformats.org/drawingml/2006/main" xmlns:r="http://schemas.openxmlformats.org/officeDocument/2006/relationships" xmlns:p="http://schemas.openxmlformats.org/presentationml/2006/main">
-  <p:cSld>
-    <p:spTree>
-      <p:nvGrpSpPr>
-        <p:cNvPr id="1" name=""/>
-        <p:cNvGrpSpPr/>
-        <p:nvPr/>
-      </p:nvGrpSpPr>
-      <p:grpSpPr>
-        <a:xfrm>
-          <a:off x="0" y="0"/>
-          <a:ext cx="0" cy="0"/>
-          <a:chOff x="0" y="0"/>
-          <a:chExt cx="0" cy="0"/>
-        </a:xfrm>
-      </p:grpSpPr>
-      <p:sp>
-        <p:nvSpPr>
-          <p:cNvPr id="2" name="Title 1">
-            <a:extLst>
-              <a:ext uri="{FF2B5EF4-FFF2-40B4-BE49-F238E27FC236}">
-                <a16:creationId xmlns:a16="http://schemas.microsoft.com/office/drawing/2014/main" id="{C4EA2B5D-1489-0AC6-64AF-DC0F56E334AA}"/>
-              </a:ext>
-            </a:extLst>
-          </p:cNvPr>
-          <p:cNvSpPr>
-            <a:spLocks noGrp="1"/>
-          </p:cNvSpPr>
-          <p:nvPr>
-            <p:ph type="title"/>
-          </p:nvPr>
-        </p:nvSpPr>
-        <p:spPr/>
-        <p:txBody>
-          <a:bodyPr/>
-          <a:lstStyle/>
-          <a:p>
-            <a:r>
-              <a:rPr lang="en-CH" dirty="0"/>
-              <a:t>QuickSight</a:t>
-            </a:r>
-          </a:p>
-        </p:txBody>
-      </p:sp>
-      <p:sp>
-        <p:nvSpPr>
-          <p:cNvPr id="3" name="Content Placeholder 2">
-            <a:extLst>
-              <a:ext uri="{FF2B5EF4-FFF2-40B4-BE49-F238E27FC236}">
-                <a16:creationId xmlns:a16="http://schemas.microsoft.com/office/drawing/2014/main" id="{CE16C5C0-5344-C1CD-1224-83C8E34164AE}"/>
-              </a:ext>
-            </a:extLst>
-          </p:cNvPr>
-          <p:cNvSpPr>
-            <a:spLocks noGrp="1"/>
-          </p:cNvSpPr>
-          <p:nvPr>
-            <p:ph idx="1"/>
-          </p:nvPr>
-        </p:nvSpPr>
-        <p:spPr/>
-        <p:txBody>
-          <a:bodyPr/>
-          <a:lstStyle/>
-          <a:p>
-            <a:endParaRPr lang="en-CH"/>
-          </a:p>
-        </p:txBody>
-      </p:sp>
-    </p:spTree>
-    <p:extLst>
-      <p:ext uri="{BB962C8B-B14F-4D97-AF65-F5344CB8AC3E}">
-        <p14:creationId xmlns:p14="http://schemas.microsoft.com/office/powerpoint/2010/main" val="42543836"/>
-      </p:ext>
-    </p:extLst>
-  </p:cSld>
-  <p:clrMapOvr>
-    <a:masterClrMapping/>
-  </p:clrMapOvr>
-</p:sld>
-</file>
-
-<file path=ppt/slides/slide7.xml><?xml version="1.0" encoding="utf-8"?>
-<p:sld xmlns:a="http://schemas.openxmlformats.org/drawingml/2006/main" xmlns:r="http://schemas.openxmlformats.org/officeDocument/2006/relationships" xmlns:p="http://schemas.openxmlformats.org/presentationml/2006/main">
-  <p:cSld>
-    <p:spTree>
-      <p:nvGrpSpPr>
-        <p:cNvPr id="1" name=""/>
-        <p:cNvGrpSpPr/>
-        <p:nvPr/>
-      </p:nvGrpSpPr>
-      <p:grpSpPr>
-        <a:xfrm>
-          <a:off x="0" y="0"/>
-          <a:ext cx="0" cy="0"/>
-          <a:chOff x="0" y="0"/>
-          <a:chExt cx="0" cy="0"/>
-        </a:xfrm>
-      </p:grpSpPr>
-      <p:sp>
-        <p:nvSpPr>
-          <p:cNvPr id="2" name="Title 1">
-            <a:extLst>
-              <a:ext uri="{FF2B5EF4-FFF2-40B4-BE49-F238E27FC236}">
-                <a16:creationId xmlns:a16="http://schemas.microsoft.com/office/drawing/2014/main" id="{C4EA2B5D-1489-0AC6-64AF-DC0F56E334AA}"/>
-              </a:ext>
-            </a:extLst>
-          </p:cNvPr>
-          <p:cNvSpPr>
-            <a:spLocks noGrp="1"/>
-          </p:cNvSpPr>
-          <p:nvPr>
-            <p:ph type="title"/>
-          </p:nvPr>
-        </p:nvSpPr>
-        <p:spPr/>
-        <p:txBody>
-          <a:bodyPr/>
-          <a:lstStyle/>
-          <a:p>
-            <a:r>
-              <a:rPr lang="en-CH" dirty="0"/>
-              <a:t>Glue</a:t>
-            </a:r>
-          </a:p>
-        </p:txBody>
-      </p:sp>
-      <p:sp>
-        <p:nvSpPr>
-          <p:cNvPr id="3" name="Content Placeholder 2">
-            <a:extLst>
-              <a:ext uri="{FF2B5EF4-FFF2-40B4-BE49-F238E27FC236}">
-                <a16:creationId xmlns:a16="http://schemas.microsoft.com/office/drawing/2014/main" id="{CE16C5C0-5344-C1CD-1224-83C8E34164AE}"/>
-              </a:ext>
-            </a:extLst>
-          </p:cNvPr>
-          <p:cNvSpPr>
-            <a:spLocks noGrp="1"/>
-          </p:cNvSpPr>
-          <p:nvPr>
-            <p:ph idx="1"/>
-          </p:nvPr>
-        </p:nvSpPr>
-        <p:spPr/>
-        <p:txBody>
-          <a:bodyPr/>
-          <a:lstStyle/>
-          <a:p>
-            <a:endParaRPr lang="en-CH"/>
-          </a:p>
-        </p:txBody>
-      </p:sp>
-      <p:sp>
-        <p:nvSpPr>
-          <p:cNvPr id="4" name="TextBox 3">
-            <a:extLst>
-              <a:ext uri="{FF2B5EF4-FFF2-40B4-BE49-F238E27FC236}">
-                <a16:creationId xmlns:a16="http://schemas.microsoft.com/office/drawing/2014/main" id="{8660D3C4-D90D-F7AB-32A6-0A24D59732CD}"/>
-              </a:ext>
-            </a:extLst>
-          </p:cNvPr>
-          <p:cNvSpPr txBox="1"/>
-          <p:nvPr/>
-        </p:nvSpPr>
-        <p:spPr>
-          <a:xfrm>
-            <a:off x="1587062" y="672662"/>
-            <a:ext cx="184731" cy="369332"/>
-          </a:xfrm>
-          <a:prstGeom prst="rect">
-            <a:avLst/>
-          </a:prstGeom>
-          <a:noFill/>
-        </p:spPr>
-        <p:txBody>
-          <a:bodyPr wrap="none" rtlCol="0">
-            <a:spAutoFit/>
-          </a:bodyPr>
-          <a:lstStyle/>
-          <a:p>
-            <a:endParaRPr lang="en-CH" dirty="0"/>
-          </a:p>
-        </p:txBody>
-      </p:sp>
-    </p:spTree>
-    <p:extLst>
-      <p:ext uri="{BB962C8B-B14F-4D97-AF65-F5344CB8AC3E}">
-        <p14:creationId xmlns:p14="http://schemas.microsoft.com/office/powerpoint/2010/main" val="3128129906"/>
-      </p:ext>
-    </p:extLst>
-  </p:cSld>
-  <p:clrMapOvr>
-    <a:masterClrMapping/>
-  </p:clrMapOvr>
-</p:sld>
-</file>
-
-<file path=ppt/slides/slide8.xml><?xml version="1.0" encoding="utf-8"?>
-<p:sld xmlns:a="http://schemas.openxmlformats.org/drawingml/2006/main" xmlns:r="http://schemas.openxmlformats.org/officeDocument/2006/relationships" xmlns:p="http://schemas.openxmlformats.org/presentationml/2006/main">
-  <p:cSld>
-    <p:spTree>
-      <p:nvGrpSpPr>
-        <p:cNvPr id="1" name=""/>
-        <p:cNvGrpSpPr/>
-        <p:nvPr/>
-      </p:nvGrpSpPr>
-      <p:grpSpPr>
-        <a:xfrm>
-          <a:off x="0" y="0"/>
-          <a:ext cx="0" cy="0"/>
-          <a:chOff x="0" y="0"/>
-          <a:chExt cx="0" cy="0"/>
-        </a:xfrm>
-      </p:grpSpPr>
-      <p:sp>
-        <p:nvSpPr>
-          <p:cNvPr id="2" name="Title 1">
-            <a:extLst>
-              <a:ext uri="{FF2B5EF4-FFF2-40B4-BE49-F238E27FC236}">
-                <a16:creationId xmlns:a16="http://schemas.microsoft.com/office/drawing/2014/main" id="{547A97B4-F0EE-61EE-AD14-56DBC803A6E3}"/>
-              </a:ext>
-            </a:extLst>
-          </p:cNvPr>
-          <p:cNvSpPr>
-            <a:spLocks noGrp="1"/>
-          </p:cNvSpPr>
-          <p:nvPr>
-            <p:ph type="title"/>
-          </p:nvPr>
-        </p:nvSpPr>
-        <p:spPr/>
-        <p:txBody>
-          <a:bodyPr/>
-          <a:lstStyle/>
-          <a:p>
-            <a:r>
-              <a:rPr lang="en-CH" dirty="0"/>
-              <a:t>Lake Formation</a:t>
-            </a:r>
-          </a:p>
-        </p:txBody>
-      </p:sp>
-      <p:sp>
-        <p:nvSpPr>
-          <p:cNvPr id="3" name="Content Placeholder 2">
-            <a:extLst>
-              <a:ext uri="{FF2B5EF4-FFF2-40B4-BE49-F238E27FC236}">
-                <a16:creationId xmlns:a16="http://schemas.microsoft.com/office/drawing/2014/main" id="{7E49B8C0-969B-FB68-5586-44EF49BC70F5}"/>
-              </a:ext>
-            </a:extLst>
-          </p:cNvPr>
-          <p:cNvSpPr>
-            <a:spLocks noGrp="1"/>
-          </p:cNvSpPr>
-          <p:nvPr>
-            <p:ph idx="1"/>
-          </p:nvPr>
-        </p:nvSpPr>
-        <p:spPr/>
-        <p:txBody>
-          <a:bodyPr/>
-          <a:lstStyle/>
-          <a:p>
-            <a:endParaRPr lang="en-CH"/>
-          </a:p>
-        </p:txBody>
-      </p:sp>
-    </p:spTree>
-    <p:extLst>
-      <p:ext uri="{BB962C8B-B14F-4D97-AF65-F5344CB8AC3E}">
-        <p14:creationId xmlns:p14="http://schemas.microsoft.com/office/powerpoint/2010/main" val="67802516"/>
-      </p:ext>
-    </p:extLst>
-  </p:cSld>
-  <p:clrMapOvr>
-    <a:masterClrMapping/>
-  </p:clrMapOvr>
-</p:sld>
-</file>
-
-<file path=ppt/slides/slide9.xml><?xml version="1.0" encoding="utf-8"?>
-<p:sld xmlns:a="http://schemas.openxmlformats.org/drawingml/2006/main" xmlns:r="http://schemas.openxmlformats.org/officeDocument/2006/relationships" xmlns:p="http://schemas.openxmlformats.org/presentationml/2006/main">
-  <p:cSld>
-    <p:spTree>
-      <p:nvGrpSpPr>
-        <p:cNvPr id="1" name=""/>
-        <p:cNvGrpSpPr/>
-        <p:nvPr/>
-      </p:nvGrpSpPr>
-      <p:grpSpPr>
-        <a:xfrm>
-          <a:off x="0" y="0"/>
-          <a:ext cx="0" cy="0"/>
-          <a:chOff x="0" y="0"/>
-          <a:chExt cx="0" cy="0"/>
-        </a:xfrm>
-      </p:grpSpPr>
-      <p:sp>
-        <p:nvSpPr>
-          <p:cNvPr id="2" name="Title 1">
-            <a:extLst>
-              <a:ext uri="{FF2B5EF4-FFF2-40B4-BE49-F238E27FC236}">
-                <a16:creationId xmlns:a16="http://schemas.microsoft.com/office/drawing/2014/main" id="{46612323-E612-9DFD-B45B-D11282EB5928}"/>
-              </a:ext>
-            </a:extLst>
-          </p:cNvPr>
-          <p:cNvSpPr>
-            <a:spLocks noGrp="1"/>
-          </p:cNvSpPr>
-          <p:nvPr>
-            <p:ph type="title"/>
-          </p:nvPr>
-        </p:nvSpPr>
-        <p:spPr/>
-        <p:txBody>
-          <a:bodyPr/>
-          <a:lstStyle/>
-          <a:p>
-            <a:r>
-              <a:rPr lang="en-CH" dirty="0"/>
-              <a:t>Kinesis Data Stream</a:t>
-            </a:r>
-          </a:p>
-        </p:txBody>
-      </p:sp>
-      <p:sp>
-        <p:nvSpPr>
-          <p:cNvPr id="3" name="Content Placeholder 2">
-            <a:extLst>
-              <a:ext uri="{FF2B5EF4-FFF2-40B4-BE49-F238E27FC236}">
-                <a16:creationId xmlns:a16="http://schemas.microsoft.com/office/drawing/2014/main" id="{19BA2360-2459-C71E-B26B-DC8E5F8CD253}"/>
-              </a:ext>
-            </a:extLst>
-          </p:cNvPr>
-          <p:cNvSpPr>
-            <a:spLocks noGrp="1"/>
-          </p:cNvSpPr>
-          <p:nvPr>
-            <p:ph idx="1"/>
-          </p:nvPr>
-        </p:nvSpPr>
-        <p:spPr/>
-        <p:txBody>
-          <a:bodyPr/>
-          <a:lstStyle/>
-          <a:p>
-            <a:endParaRPr lang="en-CH"/>
-          </a:p>
-        </p:txBody>
-      </p:sp>
-    </p:spTree>
-    <p:extLst>
-      <p:ext uri="{BB962C8B-B14F-4D97-AF65-F5344CB8AC3E}">
-        <p14:creationId xmlns:p14="http://schemas.microsoft.com/office/powerpoint/2010/main" val="634902388"/>
       </p:ext>
     </p:extLst>
   </p:cSld>

--- a/lecture-materials/Analytics/aws_data_exchange/data.pptx
+++ b/lecture-materials/Analytics/aws_data_exchange/data.pptx
@@ -5,7 +5,8 @@
     <p:sldMasterId id="2147483648" r:id="rId1"/>
   </p:sldMasterIdLst>
   <p:sldIdLst>
-    <p:sldId id="257" r:id="rId2"/>
+    <p:sldId id="258" r:id="rId2"/>
+    <p:sldId id="259" r:id="rId3"/>
   </p:sldIdLst>
   <p:sldSz cx="12192000" cy="6858000"/>
   <p:notesSz cx="6858000" cy="9144000"/>
@@ -3333,6 +3334,14 @@
 <file path=ppt/slides/slide1.xml><?xml version="1.0" encoding="utf-8"?>
 <p:sld xmlns:a="http://schemas.openxmlformats.org/drawingml/2006/main" xmlns:r="http://schemas.openxmlformats.org/officeDocument/2006/relationships" xmlns:p="http://schemas.openxmlformats.org/presentationml/2006/main">
   <p:cSld>
+    <p:bg>
+      <p:bgPr>
+        <a:solidFill>
+          <a:schemeClr val="bg1"/>
+        </a:solidFill>
+        <a:effectLst/>
+      </p:bgPr>
+    </p:bg>
     <p:spTree>
       <p:nvGrpSpPr>
         <p:cNvPr id="1" name=""/>
@@ -3349,10 +3358,102 @@
       </p:grpSpPr>
       <p:sp>
         <p:nvSpPr>
+          <p:cNvPr id="10" name="Rectangle 9">
+            <a:extLst>
+              <a:ext uri="{FF2B5EF4-FFF2-40B4-BE49-F238E27FC236}">
+                <a16:creationId xmlns:a16="http://schemas.microsoft.com/office/drawing/2014/main" id="{4C608BEB-860E-4094-8511-78603564A75E}"/>
+              </a:ext>
+              <a:ext uri="{C183D7F6-B498-43B3-948B-1728B52AA6E4}">
+                <adec:decorative xmlns:adec="http://schemas.microsoft.com/office/drawing/2017/decorative" val="1"/>
+              </a:ext>
+            </a:extLst>
+          </p:cNvPr>
+          <p:cNvSpPr>
+            <a:spLocks noGrp="1" noRot="1" noChangeAspect="1" noMove="1" noResize="1" noEditPoints="1" noAdjustHandles="1" noChangeArrowheads="1" noChangeShapeType="1" noTextEdit="1"/>
+          </p:cNvSpPr>
+          <p:nvPr>
+            <p:extLst>
+              <p:ext uri="{386F3935-93C4-4BCD-93E2-E3B085C9AB24}">
+                <p16:designElem xmlns:p16="http://schemas.microsoft.com/office/powerpoint/2015/main" val="1"/>
+              </p:ext>
+            </p:extLst>
+          </p:nvPr>
+        </p:nvSpPr>
+        <p:spPr>
+          <a:xfrm>
+            <a:off x="0" y="0"/>
+            <a:ext cx="4059050" cy="6858000"/>
+          </a:xfrm>
+          <a:prstGeom prst="rect">
+            <a:avLst/>
+          </a:prstGeom>
+          <a:solidFill>
+            <a:srgbClr val="404040"/>
+          </a:solidFill>
+          <a:ln>
+            <a:noFill/>
+          </a:ln>
+        </p:spPr>
+        <p:style>
+          <a:lnRef idx="2">
+            <a:schemeClr val="accent1">
+              <a:shade val="50000"/>
+            </a:schemeClr>
+          </a:lnRef>
+          <a:fillRef idx="1">
+            <a:schemeClr val="accent1"/>
+          </a:fillRef>
+          <a:effectRef idx="0">
+            <a:schemeClr val="accent1"/>
+          </a:effectRef>
+          <a:fontRef idx="minor">
+            <a:schemeClr val="lt1"/>
+          </a:fontRef>
+        </p:style>
+        <p:txBody>
+          <a:bodyPr rtlCol="0" anchor="ctr"/>
+          <a:lstStyle/>
+          <a:p>
+            <a:pPr marL="0" marR="0" lvl="0" indent="0" algn="ctr" defTabSz="914400" rtl="0" eaLnBrk="1" fontAlgn="auto" latinLnBrk="0" hangingPunct="1">
+              <a:lnSpc>
+                <a:spcPct val="100000"/>
+              </a:lnSpc>
+              <a:spcBef>
+                <a:spcPts val="0"/>
+              </a:spcBef>
+              <a:spcAft>
+                <a:spcPts val="0"/>
+              </a:spcAft>
+              <a:buClrTx/>
+              <a:buSzTx/>
+              <a:buFontTx/>
+              <a:buNone/>
+              <a:tabLst/>
+              <a:defRPr/>
+            </a:pPr>
+            <a:endParaRPr kumimoji="0" lang="en-US" sz="1800" b="0" i="0" u="none" strike="noStrike" kern="1200" cap="none" spc="0" normalizeH="0" baseline="0" noProof="0">
+              <a:ln>
+                <a:noFill/>
+              </a:ln>
+              <a:solidFill>
+                <a:prstClr val="white"/>
+              </a:solidFill>
+              <a:effectLst/>
+              <a:uLnTx/>
+              <a:uFillTx/>
+              <a:latin typeface="Calibri" panose="020F0502020204030204"/>
+              <a:ea typeface="+mn-ea"/>
+              <a:cs typeface="+mn-cs"/>
+            </a:endParaRPr>
+          </a:p>
+        </p:txBody>
+      </p:sp>
+      <p:sp>
+        <p:nvSpPr>
           <p:cNvPr id="2" name="Title 1">
             <a:extLst>
               <a:ext uri="{FF2B5EF4-FFF2-40B4-BE49-F238E27FC236}">
-                <a16:creationId xmlns:a16="http://schemas.microsoft.com/office/drawing/2014/main" id="{C4EA2B5D-1489-0AC6-64AF-DC0F56E334AA}"/>
+                <a16:creationId xmlns:a16="http://schemas.microsoft.com/office/drawing/2014/main" id="{20D3E3AA-7338-1F27-766D-4B889B199015}"/>
               </a:ext>
             </a:extLst>
           </p:cNvPr>
@@ -3363,21 +3464,29 @@
             <p:ph type="title"/>
           </p:nvPr>
         </p:nvSpPr>
-        <p:spPr/>
-        <p:txBody>
-          <a:bodyPr/>
-          <a:lstStyle/>
-          <a:p>
-            <a:r>
-              <a:rPr lang="ru-RU">
+        <p:spPr>
+          <a:xfrm>
+            <a:off x="838200" y="1412488"/>
+            <a:ext cx="2899189" cy="4363844"/>
+          </a:xfrm>
+        </p:spPr>
+        <p:txBody>
+          <a:bodyPr vert="horz" lIns="91440" tIns="45720" rIns="91440" bIns="45720" rtlCol="0" anchor="t">
+            <a:normAutofit/>
+          </a:bodyPr>
+          <a:lstStyle/>
+          <a:p>
+            <a:r>
+              <a:rPr lang="en-US" sz="4000" kern="1200">
                 <a:solidFill>
                   <a:srgbClr val="FFFFFF"/>
                 </a:solidFill>
-                <a:latin typeface="AmazonEmberBold"/>
+                <a:latin typeface="+mj-lt"/>
+                <a:ea typeface="+mj-ea"/>
+                <a:cs typeface="+mj-cs"/>
               </a:rPr>
-              <a:t>ы</a:t>
-            </a:r>
-            <a:endParaRPr lang="en-CH" dirty="0"/>
+              <a:t>AWS Data Exchange</a:t>
+            </a:r>
           </a:p>
         </p:txBody>
       </p:sp>
@@ -3386,7 +3495,7 @@
           <p:cNvPr id="3" name="Content Placeholder 2">
             <a:extLst>
               <a:ext uri="{FF2B5EF4-FFF2-40B4-BE49-F238E27FC236}">
-                <a16:creationId xmlns:a16="http://schemas.microsoft.com/office/drawing/2014/main" id="{CE16C5C0-5344-C1CD-1224-83C8E34164AE}"/>
+                <a16:creationId xmlns:a16="http://schemas.microsoft.com/office/drawing/2014/main" id="{9F58BBE5-45A0-D9F1-7F7B-B7DFA9DCB693}"/>
               </a:ext>
             </a:extLst>
           </p:cNvPr>
@@ -3397,19 +3506,594 @@
             <p:ph idx="1"/>
           </p:nvPr>
         </p:nvSpPr>
-        <p:spPr/>
-        <p:txBody>
-          <a:bodyPr/>
-          <a:lstStyle/>
-          <a:p>
-            <a:endParaRPr lang="en-CH"/>
+        <p:spPr>
+          <a:xfrm>
+            <a:off x="4380855" y="1412489"/>
+            <a:ext cx="3427283" cy="4363844"/>
+          </a:xfrm>
+        </p:spPr>
+        <p:txBody>
+          <a:bodyPr vert="horz" lIns="91440" tIns="45720" rIns="91440" bIns="45720" rtlCol="0">
+            <a:normAutofit/>
+          </a:bodyPr>
+          <a:lstStyle/>
+          <a:p>
+            <a:r>
+              <a:rPr lang="en-US" sz="1700" b="0" i="0">
+                <a:effectLst/>
+              </a:rPr>
+              <a:t>AWS Data Exchange is a service that makes it easy for AWS customers to find, subscribe to, and use third-party data in the AWS Cloud.</a:t>
+            </a:r>
+          </a:p>
+          <a:p>
+            <a:r>
+              <a:rPr lang="en-US" sz="1700" b="0" i="0">
+                <a:effectLst/>
+              </a:rPr>
+              <a:t>As a subscriber, you can find and subscribe to thousands of products from qualified data providers. Then, you can use the AWS Data Exchange console or API to create, view, manage, and access data sets for use across a variety of AWS analytics and machine learning services.</a:t>
+            </a:r>
+            <a:br>
+              <a:rPr lang="en-US" sz="1700"/>
+            </a:br>
+            <a:endParaRPr lang="en-US" sz="1700"/>
+          </a:p>
+        </p:txBody>
+      </p:sp>
+      <p:cxnSp>
+        <p:nvCxnSpPr>
+          <p:cNvPr id="12" name="Straight Connector 11">
+            <a:extLst>
+              <a:ext uri="{FF2B5EF4-FFF2-40B4-BE49-F238E27FC236}">
+                <a16:creationId xmlns:a16="http://schemas.microsoft.com/office/drawing/2014/main" id="{1F16A8D4-FE87-4604-88B2-394B5D1EB437}"/>
+              </a:ext>
+              <a:ext uri="{C183D7F6-B498-43B3-948B-1728B52AA6E4}">
+                <adec:decorative xmlns:adec="http://schemas.microsoft.com/office/drawing/2017/decorative" val="1"/>
+              </a:ext>
+            </a:extLst>
+          </p:cNvPr>
+          <p:cNvCxnSpPr>
+            <a:cxnSpLocks noGrp="1" noRot="1" noChangeAspect="1" noMove="1" noResize="1" noEditPoints="1" noAdjustHandles="1" noChangeArrowheads="1" noChangeShapeType="1"/>
+          </p:cNvCxnSpPr>
+          <p:nvPr>
+            <p:extLst>
+              <p:ext uri="{386F3935-93C4-4BCD-93E2-E3B085C9AB24}">
+                <p16:designElem xmlns:p16="http://schemas.microsoft.com/office/powerpoint/2015/main" val="1"/>
+              </p:ext>
+            </p:extLst>
+          </p:nvPr>
+        </p:nvCxnSpPr>
+        <p:spPr>
+          <a:xfrm>
+            <a:off x="8129871" y="1412488"/>
+            <a:ext cx="0" cy="3657600"/>
+          </a:xfrm>
+          <a:prstGeom prst="line">
+            <a:avLst/>
+          </a:prstGeom>
+          <a:ln w="12700">
+            <a:solidFill>
+              <a:schemeClr val="tx1">
+                <a:lumMod val="50000"/>
+                <a:lumOff val="50000"/>
+              </a:schemeClr>
+            </a:solidFill>
+          </a:ln>
+        </p:spPr>
+        <p:style>
+          <a:lnRef idx="1">
+            <a:schemeClr val="accent1"/>
+          </a:lnRef>
+          <a:fillRef idx="0">
+            <a:schemeClr val="accent1"/>
+          </a:fillRef>
+          <a:effectRef idx="0">
+            <a:schemeClr val="accent1"/>
+          </a:effectRef>
+          <a:fontRef idx="minor">
+            <a:schemeClr val="tx1"/>
+          </a:fontRef>
+        </p:style>
+      </p:cxnSp>
+      <p:sp>
+        <p:nvSpPr>
+          <p:cNvPr id="5" name="TextBox 4">
+            <a:extLst>
+              <a:ext uri="{FF2B5EF4-FFF2-40B4-BE49-F238E27FC236}">
+                <a16:creationId xmlns:a16="http://schemas.microsoft.com/office/drawing/2014/main" id="{C59BD52B-931D-7B88-A0E5-70126E8A1AE8}"/>
+              </a:ext>
+            </a:extLst>
+          </p:cNvPr>
+          <p:cNvSpPr txBox="1"/>
+          <p:nvPr/>
+        </p:nvSpPr>
+        <p:spPr>
+          <a:xfrm>
+            <a:off x="8451604" y="1412489"/>
+            <a:ext cx="3197701" cy="4363844"/>
+          </a:xfrm>
+          <a:prstGeom prst="rect">
+            <a:avLst/>
+          </a:prstGeom>
+        </p:spPr>
+        <p:txBody>
+          <a:bodyPr vert="horz" lIns="91440" tIns="45720" rIns="91440" bIns="45720" rtlCol="0">
+            <a:normAutofit/>
+          </a:bodyPr>
+          <a:lstStyle/>
+          <a:p>
+            <a:pPr marL="285750" indent="-228600">
+              <a:lnSpc>
+                <a:spcPct val="90000"/>
+              </a:lnSpc>
+              <a:spcAft>
+                <a:spcPts val="600"/>
+              </a:spcAft>
+              <a:buFont typeface="Arial" panose="020B0604020202020204" pitchFamily="34" charset="0"/>
+              <a:buChar char="•"/>
+            </a:pPr>
+            <a:r>
+              <a:rPr lang="en-US" sz="1600" b="0" i="0">
+                <a:effectLst/>
+              </a:rPr>
+              <a:t>For providers, AWS Data Exchange eliminates the need to build and maintain any data delivery, entitlement, or billing technology. </a:t>
+            </a:r>
+          </a:p>
+          <a:p>
+            <a:pPr marL="285750" indent="-228600">
+              <a:lnSpc>
+                <a:spcPct val="90000"/>
+              </a:lnSpc>
+              <a:spcAft>
+                <a:spcPts val="600"/>
+              </a:spcAft>
+              <a:buFont typeface="Arial" panose="020B0604020202020204" pitchFamily="34" charset="0"/>
+              <a:buChar char="•"/>
+            </a:pPr>
+            <a:r>
+              <a:rPr lang="en-US" sz="1600" b="0" i="0">
+                <a:effectLst/>
+              </a:rPr>
+              <a:t>Providers in AWS Data Exchange have a secure, transparent, and reliable channel to reach AWS customers and grant existing customers their subscriptions more efficiently. The process for becoming an AWS Data Exchange provider requires a few steps to determine eligibility. For more information, see </a:t>
+            </a:r>
+            <a:r>
+              <a:rPr lang="en-US" sz="1600" b="0" i="0" u="none" strike="noStrike">
+                <a:effectLst/>
+                <a:hlinkClick r:id="rId2"/>
+              </a:rPr>
+              <a:t>Providing data products on AWS Data Exchange</a:t>
+            </a:r>
+            <a:r>
+              <a:rPr lang="en-US" sz="1600" b="0" i="0">
+                <a:effectLst/>
+              </a:rPr>
+              <a:t>.</a:t>
+            </a:r>
+            <a:br>
+              <a:rPr lang="en-US" sz="1600"/>
+            </a:br>
+            <a:endParaRPr lang="en-US" sz="1600"/>
           </a:p>
         </p:txBody>
       </p:sp>
     </p:spTree>
     <p:extLst>
       <p:ext uri="{BB962C8B-B14F-4D97-AF65-F5344CB8AC3E}">
-        <p14:creationId xmlns:p14="http://schemas.microsoft.com/office/powerpoint/2010/main" val="2536013262"/>
+        <p14:creationId xmlns:p14="http://schemas.microsoft.com/office/powerpoint/2010/main" val="1289581387"/>
+      </p:ext>
+    </p:extLst>
+  </p:cSld>
+  <p:clrMapOvr>
+    <a:masterClrMapping/>
+  </p:clrMapOvr>
+</p:sld>
+</file>
+
+<file path=ppt/slides/slide2.xml><?xml version="1.0" encoding="utf-8"?>
+<p:sld xmlns:a="http://schemas.openxmlformats.org/drawingml/2006/main" xmlns:r="http://schemas.openxmlformats.org/officeDocument/2006/relationships" xmlns:p="http://schemas.openxmlformats.org/presentationml/2006/main">
+  <p:cSld>
+    <p:bg>
+      <p:bgPr>
+        <a:solidFill>
+          <a:schemeClr val="bg1"/>
+        </a:solidFill>
+        <a:effectLst/>
+      </p:bgPr>
+    </p:bg>
+    <p:spTree>
+      <p:nvGrpSpPr>
+        <p:cNvPr id="1" name=""/>
+        <p:cNvGrpSpPr/>
+        <p:nvPr/>
+      </p:nvGrpSpPr>
+      <p:grpSpPr>
+        <a:xfrm>
+          <a:off x="0" y="0"/>
+          <a:ext cx="0" cy="0"/>
+          <a:chOff x="0" y="0"/>
+          <a:chExt cx="0" cy="0"/>
+        </a:xfrm>
+      </p:grpSpPr>
+      <p:sp useBgFill="1">
+        <p:nvSpPr>
+          <p:cNvPr id="9" name="Rectangle 8">
+            <a:extLst>
+              <a:ext uri="{FF2B5EF4-FFF2-40B4-BE49-F238E27FC236}">
+                <a16:creationId xmlns:a16="http://schemas.microsoft.com/office/drawing/2014/main" id="{A8384FB5-9ADC-4DDC-881B-597D56F5B15D}"/>
+              </a:ext>
+              <a:ext uri="{C183D7F6-B498-43B3-948B-1728B52AA6E4}">
+                <adec:decorative xmlns:adec="http://schemas.microsoft.com/office/drawing/2017/decorative" val="1"/>
+              </a:ext>
+            </a:extLst>
+          </p:cNvPr>
+          <p:cNvSpPr>
+            <a:spLocks noGrp="1" noRot="1" noChangeAspect="1" noMove="1" noResize="1" noEditPoints="1" noAdjustHandles="1" noChangeArrowheads="1" noChangeShapeType="1" noTextEdit="1"/>
+          </p:cNvSpPr>
+          <p:nvPr>
+            <p:extLst>
+              <p:ext uri="{386F3935-93C4-4BCD-93E2-E3B085C9AB24}">
+                <p16:designElem xmlns:p16="http://schemas.microsoft.com/office/powerpoint/2015/main" val="1"/>
+              </p:ext>
+            </p:extLst>
+          </p:nvPr>
+        </p:nvSpPr>
+        <p:spPr>
+          <a:xfrm>
+            <a:off x="0" y="0"/>
+            <a:ext cx="12192000" cy="6858000"/>
+          </a:xfrm>
+          <a:prstGeom prst="rect">
+            <a:avLst/>
+          </a:prstGeom>
+          <a:ln w="12700" cap="flat" cmpd="sng" algn="ctr">
+            <a:noFill/>
+            <a:prstDash val="solid"/>
+            <a:miter lim="800000"/>
+          </a:ln>
+          <a:effectLst/>
+          <a:extLst>
+            <a:ext uri="{91240B29-F687-4F45-9708-019B960494DF}">
+              <a14:hiddenLine xmlns:a14="http://schemas.microsoft.com/office/drawing/2010/main" w="12700" cap="flat" cmpd="sng" algn="ctr">
+                <a:solidFill>
+                  <a:schemeClr val="accent1">
+                    <a:shade val="50000"/>
+                  </a:schemeClr>
+                </a:solidFill>
+                <a:prstDash val="solid"/>
+                <a:miter lim="800000"/>
+              </a14:hiddenLine>
+            </a:ext>
+          </a:extLst>
+        </p:spPr>
+        <p:style>
+          <a:lnRef idx="2">
+            <a:schemeClr val="accent1">
+              <a:shade val="50000"/>
+            </a:schemeClr>
+          </a:lnRef>
+          <a:fillRef idx="1">
+            <a:schemeClr val="accent1"/>
+          </a:fillRef>
+          <a:effectRef idx="0">
+            <a:schemeClr val="accent1"/>
+          </a:effectRef>
+          <a:fontRef idx="minor">
+            <a:schemeClr val="lt1"/>
+          </a:fontRef>
+        </p:style>
+        <p:txBody>
+          <a:bodyPr rtlCol="0" anchor="ctr"/>
+          <a:lstStyle/>
+          <a:p>
+            <a:pPr algn="ctr"/>
+            <a:endParaRPr lang="en-US"/>
+          </a:p>
+        </p:txBody>
+      </p:sp>
+      <p:sp>
+        <p:nvSpPr>
+          <p:cNvPr id="11" name="Rectangle 10">
+            <a:extLst>
+              <a:ext uri="{FF2B5EF4-FFF2-40B4-BE49-F238E27FC236}">
+                <a16:creationId xmlns:a16="http://schemas.microsoft.com/office/drawing/2014/main" id="{1199E1B1-A8C0-4FE8-A5A8-1CB41D69F857}"/>
+              </a:ext>
+              <a:ext uri="{C183D7F6-B498-43B3-948B-1728B52AA6E4}">
+                <adec:decorative xmlns:adec="http://schemas.microsoft.com/office/drawing/2017/decorative" val="1"/>
+              </a:ext>
+            </a:extLst>
+          </p:cNvPr>
+          <p:cNvSpPr>
+            <a:spLocks noGrp="1" noRot="1" noChangeAspect="1" noMove="1" noResize="1" noEditPoints="1" noAdjustHandles="1" noChangeArrowheads="1" noChangeShapeType="1" noTextEdit="1"/>
+          </p:cNvSpPr>
+          <p:nvPr>
+            <p:extLst>
+              <p:ext uri="{386F3935-93C4-4BCD-93E2-E3B085C9AB24}">
+                <p16:designElem xmlns:p16="http://schemas.microsoft.com/office/powerpoint/2015/main" val="1"/>
+              </p:ext>
+            </p:extLst>
+          </p:nvPr>
+        </p:nvSpPr>
+        <p:spPr>
+          <a:xfrm rot="10800000" flipH="1">
+            <a:off x="2" y="0"/>
+            <a:ext cx="12191998" cy="1575955"/>
+          </a:xfrm>
+          <a:prstGeom prst="rect">
+            <a:avLst/>
+          </a:prstGeom>
+          <a:gradFill>
+            <a:gsLst>
+              <a:gs pos="0">
+                <a:srgbClr val="000000">
+                  <a:alpha val="96000"/>
+                </a:srgbClr>
+              </a:gs>
+              <a:gs pos="100000">
+                <a:schemeClr val="accent1">
+                  <a:lumMod val="75000"/>
+                </a:schemeClr>
+              </a:gs>
+            </a:gsLst>
+            <a:lin ang="6000000" scaled="0"/>
+          </a:gradFill>
+          <a:ln>
+            <a:noFill/>
+          </a:ln>
+        </p:spPr>
+        <p:style>
+          <a:lnRef idx="2">
+            <a:schemeClr val="accent1">
+              <a:shade val="50000"/>
+            </a:schemeClr>
+          </a:lnRef>
+          <a:fillRef idx="1">
+            <a:schemeClr val="accent1"/>
+          </a:fillRef>
+          <a:effectRef idx="0">
+            <a:schemeClr val="accent1"/>
+          </a:effectRef>
+          <a:fontRef idx="minor">
+            <a:schemeClr val="lt1"/>
+          </a:fontRef>
+        </p:style>
+        <p:txBody>
+          <a:bodyPr rtlCol="0" anchor="ctr"/>
+          <a:lstStyle/>
+          <a:p>
+            <a:pPr algn="ctr"/>
+            <a:endParaRPr lang="en-US"/>
+          </a:p>
+        </p:txBody>
+      </p:sp>
+      <p:sp>
+        <p:nvSpPr>
+          <p:cNvPr id="13" name="Rectangle 12">
+            <a:extLst>
+              <a:ext uri="{FF2B5EF4-FFF2-40B4-BE49-F238E27FC236}">
+                <a16:creationId xmlns:a16="http://schemas.microsoft.com/office/drawing/2014/main" id="{84A8DE83-DE75-4B41-9DB4-A7EC0B0DEC0B}"/>
+              </a:ext>
+              <a:ext uri="{C183D7F6-B498-43B3-948B-1728B52AA6E4}">
+                <adec:decorative xmlns:adec="http://schemas.microsoft.com/office/drawing/2017/decorative" val="1"/>
+              </a:ext>
+            </a:extLst>
+          </p:cNvPr>
+          <p:cNvSpPr>
+            <a:spLocks noGrp="1" noRot="1" noChangeAspect="1" noMove="1" noResize="1" noEditPoints="1" noAdjustHandles="1" noChangeArrowheads="1" noChangeShapeType="1" noTextEdit="1"/>
+          </p:cNvSpPr>
+          <p:nvPr>
+            <p:extLst>
+              <p:ext uri="{386F3935-93C4-4BCD-93E2-E3B085C9AB24}">
+                <p16:designElem xmlns:p16="http://schemas.microsoft.com/office/powerpoint/2015/main" val="1"/>
+              </p:ext>
+            </p:extLst>
+          </p:nvPr>
+        </p:nvSpPr>
+        <p:spPr>
+          <a:xfrm>
+            <a:off x="0" y="0"/>
+            <a:ext cx="8128856" cy="1575461"/>
+          </a:xfrm>
+          <a:prstGeom prst="rect">
+            <a:avLst/>
+          </a:prstGeom>
+          <a:gradFill>
+            <a:gsLst>
+              <a:gs pos="0">
+                <a:schemeClr val="accent1">
+                  <a:alpha val="41000"/>
+                </a:schemeClr>
+              </a:gs>
+              <a:gs pos="74000">
+                <a:schemeClr val="accent1">
+                  <a:lumMod val="60000"/>
+                  <a:lumOff val="40000"/>
+                  <a:alpha val="0"/>
+                </a:schemeClr>
+              </a:gs>
+            </a:gsLst>
+            <a:lin ang="8400000" scaled="0"/>
+          </a:gradFill>
+          <a:ln>
+            <a:noFill/>
+          </a:ln>
+        </p:spPr>
+        <p:style>
+          <a:lnRef idx="2">
+            <a:schemeClr val="accent1">
+              <a:shade val="50000"/>
+            </a:schemeClr>
+          </a:lnRef>
+          <a:fillRef idx="1">
+            <a:schemeClr val="accent1"/>
+          </a:fillRef>
+          <a:effectRef idx="0">
+            <a:schemeClr val="accent1"/>
+          </a:effectRef>
+          <a:fontRef idx="minor">
+            <a:schemeClr val="lt1"/>
+          </a:fontRef>
+        </p:style>
+        <p:txBody>
+          <a:bodyPr rtlCol="0" anchor="ctr"/>
+          <a:lstStyle/>
+          <a:p>
+            <a:pPr algn="ctr"/>
+            <a:endParaRPr lang="en-US"/>
+          </a:p>
+        </p:txBody>
+      </p:sp>
+      <p:sp>
+        <p:nvSpPr>
+          <p:cNvPr id="15" name="Rectangle 14">
+            <a:extLst>
+              <a:ext uri="{FF2B5EF4-FFF2-40B4-BE49-F238E27FC236}">
+                <a16:creationId xmlns:a16="http://schemas.microsoft.com/office/drawing/2014/main" id="{A7009A0A-BEF5-4EAC-AF15-E4F9F002E239}"/>
+              </a:ext>
+              <a:ext uri="{C183D7F6-B498-43B3-948B-1728B52AA6E4}">
+                <adec:decorative xmlns:adec="http://schemas.microsoft.com/office/drawing/2017/decorative" val="1"/>
+              </a:ext>
+            </a:extLst>
+          </p:cNvPr>
+          <p:cNvSpPr>
+            <a:spLocks noGrp="1" noRot="1" noChangeAspect="1" noMove="1" noResize="1" noEditPoints="1" noAdjustHandles="1" noChangeArrowheads="1" noChangeShapeType="1" noTextEdit="1"/>
+          </p:cNvSpPr>
+          <p:nvPr>
+            <p:extLst>
+              <p:ext uri="{386F3935-93C4-4BCD-93E2-E3B085C9AB24}">
+                <p16:designElem xmlns:p16="http://schemas.microsoft.com/office/powerpoint/2015/main" val="1"/>
+              </p:ext>
+            </p:extLst>
+          </p:nvPr>
+        </p:nvSpPr>
+        <p:spPr>
+          <a:xfrm flipH="1">
+            <a:off x="-3" y="-1"/>
+            <a:ext cx="12192002" cy="1574311"/>
+          </a:xfrm>
+          <a:prstGeom prst="rect">
+            <a:avLst/>
+          </a:prstGeom>
+          <a:gradFill>
+            <a:gsLst>
+              <a:gs pos="0">
+                <a:srgbClr val="000000">
+                  <a:alpha val="63000"/>
+                </a:srgbClr>
+              </a:gs>
+              <a:gs pos="78000">
+                <a:schemeClr val="accent1">
+                  <a:alpha val="15000"/>
+                </a:schemeClr>
+              </a:gs>
+            </a:gsLst>
+            <a:lin ang="15600000" scaled="0"/>
+          </a:gradFill>
+          <a:ln>
+            <a:noFill/>
+          </a:ln>
+        </p:spPr>
+        <p:style>
+          <a:lnRef idx="2">
+            <a:schemeClr val="accent1">
+              <a:shade val="50000"/>
+            </a:schemeClr>
+          </a:lnRef>
+          <a:fillRef idx="1">
+            <a:schemeClr val="accent1"/>
+          </a:fillRef>
+          <a:effectRef idx="0">
+            <a:schemeClr val="accent1"/>
+          </a:effectRef>
+          <a:fontRef idx="minor">
+            <a:schemeClr val="lt1"/>
+          </a:fontRef>
+        </p:style>
+        <p:txBody>
+          <a:bodyPr rtlCol="0" anchor="ctr"/>
+          <a:lstStyle/>
+          <a:p>
+            <a:pPr algn="ctr"/>
+            <a:endParaRPr lang="en-US"/>
+          </a:p>
+        </p:txBody>
+      </p:sp>
+      <p:sp>
+        <p:nvSpPr>
+          <p:cNvPr id="2" name="Title 1">
+            <a:extLst>
+              <a:ext uri="{FF2B5EF4-FFF2-40B4-BE49-F238E27FC236}">
+                <a16:creationId xmlns:a16="http://schemas.microsoft.com/office/drawing/2014/main" id="{5BDFA004-30DC-91BB-FCF8-2732917E8BF7}"/>
+              </a:ext>
+            </a:extLst>
+          </p:cNvPr>
+          <p:cNvSpPr>
+            <a:spLocks noGrp="1"/>
+          </p:cNvSpPr>
+          <p:nvPr>
+            <p:ph type="title"/>
+          </p:nvPr>
+        </p:nvSpPr>
+        <p:spPr>
+          <a:xfrm>
+            <a:off x="699713" y="248038"/>
+            <a:ext cx="7063721" cy="1159200"/>
+          </a:xfrm>
+        </p:spPr>
+        <p:txBody>
+          <a:bodyPr vert="horz" lIns="91440" tIns="45720" rIns="91440" bIns="45720" rtlCol="0" anchor="ctr">
+            <a:normAutofit/>
+          </a:bodyPr>
+          <a:lstStyle/>
+          <a:p>
+            <a:r>
+              <a:rPr lang="en-US" sz="4000" kern="1200">
+                <a:solidFill>
+                  <a:srgbClr val="FFFFFF"/>
+                </a:solidFill>
+                <a:latin typeface="+mj-lt"/>
+                <a:ea typeface="+mj-ea"/>
+                <a:cs typeface="+mj-cs"/>
+              </a:rPr>
+              <a:t>AWS Data Exchange</a:t>
+            </a:r>
+          </a:p>
+        </p:txBody>
+      </p:sp>
+      <p:pic>
+        <p:nvPicPr>
+          <p:cNvPr id="4" name="Content Placeholder 3">
+            <a:extLst>
+              <a:ext uri="{FF2B5EF4-FFF2-40B4-BE49-F238E27FC236}">
+                <a16:creationId xmlns:a16="http://schemas.microsoft.com/office/drawing/2014/main" id="{7CF9ED90-7E18-FD83-BE70-F22BFA273762}"/>
+              </a:ext>
+            </a:extLst>
+          </p:cNvPr>
+          <p:cNvPicPr>
+            <a:picLocks noGrp="1" noChangeAspect="1"/>
+          </p:cNvPicPr>
+          <p:nvPr>
+            <p:ph idx="1"/>
+          </p:nvPr>
+        </p:nvPicPr>
+        <p:blipFill>
+          <a:blip r:embed="rId2"/>
+          <a:stretch>
+            <a:fillRect/>
+          </a:stretch>
+        </p:blipFill>
+        <p:spPr>
+          <a:xfrm>
+            <a:off x="1598869" y="1966293"/>
+            <a:ext cx="8994261" cy="4452160"/>
+          </a:xfrm>
+          <a:prstGeom prst="rect">
+            <a:avLst/>
+          </a:prstGeom>
+        </p:spPr>
+      </p:pic>
+    </p:spTree>
+    <p:extLst>
+      <p:ext uri="{BB962C8B-B14F-4D97-AF65-F5344CB8AC3E}">
+        <p14:creationId xmlns:p14="http://schemas.microsoft.com/office/powerpoint/2010/main" val="1996384747"/>
       </p:ext>
     </p:extLst>
   </p:cSld>
